--- a/Super_Mario.pptx
+++ b/Super_Mario.pptx
@@ -13436,7 +13436,7 @@
           <p:nvPr>
             <p:extLst>
               <p:ext uri="{D42A27DB-BD31-4B8C-83A1-F6EECF244321}">
-                <p14:modId xmlns:p14="http://schemas.microsoft.com/office/powerpoint/2010/main" val="818859602"/>
+                <p14:modId xmlns:p14="http://schemas.microsoft.com/office/powerpoint/2010/main" val="2123219173"/>
               </p:ext>
             </p:extLst>
           </p:nvPr>
@@ -13449,7 +13449,7 @@
           <a:graphicData uri="http://schemas.openxmlformats.org/drawingml/2006/table">
             <a:tbl>
               <a:tblPr firstRow="1" bandRow="1">
-                <a:tableStyleId>{00A15C55-8517-42AA-B614-E9B94910E393}</a:tableStyleId>
+                <a:tableStyleId>{1E171933-4619-4E11-9A3F-F7608DF75F80}</a:tableStyleId>
               </a:tblPr>
               <a:tblGrid>
                 <a:gridCol w="4037901">
@@ -13575,7 +13575,7 @@
           <p:nvPr>
             <p:extLst>
               <p:ext uri="{D42A27DB-BD31-4B8C-83A1-F6EECF244321}">
-                <p14:modId xmlns:p14="http://schemas.microsoft.com/office/powerpoint/2010/main" val="1111877362"/>
+                <p14:modId xmlns:p14="http://schemas.microsoft.com/office/powerpoint/2010/main" val="3547624116"/>
               </p:ext>
             </p:extLst>
           </p:nvPr>
@@ -13776,6 +13776,109 @@
           </a:graphicData>
         </a:graphic>
       </p:graphicFrame>
+      <p:pic>
+        <p:nvPicPr>
+          <p:cNvPr id="7" name="תמונה 6" descr="תמונה שמכילה קטן, שולחן, כובע, מזון&#10;&#10;התיאור נוצר באופן אוטומטי">
+            <a:extLst>
+              <a:ext uri="{FF2B5EF4-FFF2-40B4-BE49-F238E27FC236}">
+                <a16:creationId xmlns:a16="http://schemas.microsoft.com/office/drawing/2014/main" id="{2462ABC4-8A11-4090-9CA0-5602041FA147}"/>
+              </a:ext>
+            </a:extLst>
+          </p:cNvPr>
+          <p:cNvPicPr>
+            <a:picLocks noChangeAspect="1"/>
+          </p:cNvPicPr>
+          <p:nvPr/>
+        </p:nvPicPr>
+        <p:blipFill>
+          <a:blip r:embed="rId2" cstate="print">
+            <a:extLst>
+              <a:ext uri="{28A0092B-C50C-407E-A947-70E740481C1C}">
+                <a14:useLocalDpi xmlns:a14="http://schemas.microsoft.com/office/drawing/2010/main" val="0"/>
+              </a:ext>
+            </a:extLst>
+          </a:blip>
+          <a:stretch>
+            <a:fillRect/>
+          </a:stretch>
+        </p:blipFill>
+        <p:spPr>
+          <a:xfrm>
+            <a:off x="7444864" y="4441356"/>
+            <a:ext cx="1447466" cy="2324365"/>
+          </a:xfrm>
+          <a:prstGeom prst="rect">
+            <a:avLst/>
+          </a:prstGeom>
+        </p:spPr>
+      </p:pic>
+      <p:sp>
+        <p:nvSpPr>
+          <p:cNvPr id="9" name="בועת מחשבה: ענן 8">
+            <a:extLst>
+              <a:ext uri="{FF2B5EF4-FFF2-40B4-BE49-F238E27FC236}">
+                <a16:creationId xmlns:a16="http://schemas.microsoft.com/office/drawing/2014/main" id="{121DBB4E-BBD9-4069-92E7-339C81AD9DDC}"/>
+              </a:ext>
+            </a:extLst>
+          </p:cNvPr>
+          <p:cNvSpPr/>
+          <p:nvPr/>
+        </p:nvSpPr>
+        <p:spPr>
+          <a:xfrm>
+            <a:off x="5041783" y="3421692"/>
+            <a:ext cx="2957923" cy="1329786"/>
+          </a:xfrm>
+          <a:prstGeom prst="cloudCallout">
+            <a:avLst>
+              <a:gd name="adj1" fmla="val 47456"/>
+              <a:gd name="adj2" fmla="val 46270"/>
+            </a:avLst>
+          </a:prstGeom>
+          <a:solidFill>
+            <a:schemeClr val="bg2"/>
+          </a:solidFill>
+          <a:ln>
+            <a:noFill/>
+          </a:ln>
+        </p:spPr>
+        <p:style>
+          <a:lnRef idx="2">
+            <a:schemeClr val="accent1">
+              <a:shade val="50000"/>
+            </a:schemeClr>
+          </a:lnRef>
+          <a:fillRef idx="1">
+            <a:schemeClr val="accent1"/>
+          </a:fillRef>
+          <a:effectRef idx="0">
+            <a:schemeClr val="accent1"/>
+          </a:effectRef>
+          <a:fontRef idx="minor">
+            <a:schemeClr val="lt1"/>
+          </a:fontRef>
+        </p:style>
+        <p:txBody>
+          <a:bodyPr rtlCol="0" anchor="ctr"/>
+          <a:lstStyle/>
+          <a:p>
+            <a:pPr algn="ctr"/>
+            <a:r>
+              <a:rPr lang="en-US" sz="2400" dirty="0">
+                <a:solidFill>
+                  <a:schemeClr val="tx1"/>
+                </a:solidFill>
+              </a:rPr>
+              <a:t>Let’s-a go!</a:t>
+            </a:r>
+            <a:endParaRPr lang="LID4096" sz="2400" dirty="0">
+              <a:solidFill>
+                <a:schemeClr val="tx1"/>
+              </a:solidFill>
+            </a:endParaRPr>
+          </a:p>
+        </p:txBody>
+      </p:sp>
     </p:spTree>
     <p:extLst>
       <p:ext uri="{BB962C8B-B14F-4D97-AF65-F5344CB8AC3E}">
@@ -14526,88 +14629,6 @@
           </a:p>
         </p:txBody>
       </p:sp>
-      <p:pic>
-        <p:nvPicPr>
-          <p:cNvPr id="45" name="תמונה 44" descr="תמונה שמכילה ציור&#10;&#10;התיאור נוצר באופן אוטומטי">
-            <a:extLst>
-              <a:ext uri="{FF2B5EF4-FFF2-40B4-BE49-F238E27FC236}">
-                <a16:creationId xmlns:a16="http://schemas.microsoft.com/office/drawing/2014/main" id="{199A2818-60D3-4583-8D66-0BB2F732265A}"/>
-              </a:ext>
-            </a:extLst>
-          </p:cNvPr>
-          <p:cNvPicPr>
-            <a:picLocks noChangeAspect="1"/>
-          </p:cNvPicPr>
-          <p:nvPr/>
-        </p:nvPicPr>
-        <p:blipFill rotWithShape="1">
-          <a:blip r:embed="rId2">
-            <a:extLst>
-              <a:ext uri="{28A0092B-C50C-407E-A947-70E740481C1C}">
-                <a14:useLocalDpi xmlns:a14="http://schemas.microsoft.com/office/drawing/2010/main" val="0"/>
-              </a:ext>
-            </a:extLst>
-          </a:blip>
-          <a:srcRect l="1" t="-1364" r="78030" b="75685"/>
-          <a:stretch/>
-        </p:blipFill>
-        <p:spPr>
-          <a:xfrm>
-            <a:off x="4565200" y="1974643"/>
-            <a:ext cx="480788" cy="561974"/>
-          </a:xfrm>
-          <a:prstGeom prst="rect">
-            <a:avLst/>
-          </a:prstGeom>
-        </p:spPr>
-      </p:pic>
-      <p:pic>
-        <p:nvPicPr>
-          <p:cNvPr id="1030" name="Picture 6" descr="Mario Mushroom Pixil - Super Mario World 1 Up Mushroom, HD Png Download">
-            <a:extLst>
-              <a:ext uri="{FF2B5EF4-FFF2-40B4-BE49-F238E27FC236}">
-                <a16:creationId xmlns:a16="http://schemas.microsoft.com/office/drawing/2014/main" id="{60A425E1-600E-4841-AC3B-07A5CED42869}"/>
-              </a:ext>
-            </a:extLst>
-          </p:cNvPr>
-          <p:cNvPicPr>
-            <a:picLocks noChangeAspect="1" noChangeArrowheads="1"/>
-          </p:cNvPicPr>
-          <p:nvPr/>
-        </p:nvPicPr>
-        <p:blipFill>
-          <a:blip r:embed="rId3" cstate="print">
-            <a:extLst>
-              <a:ext uri="{28A0092B-C50C-407E-A947-70E740481C1C}">
-                <a14:useLocalDpi xmlns:a14="http://schemas.microsoft.com/office/drawing/2010/main" val="0"/>
-              </a:ext>
-            </a:extLst>
-          </a:blip>
-          <a:srcRect/>
-          <a:stretch>
-            <a:fillRect/>
-          </a:stretch>
-        </p:blipFill>
-        <p:spPr bwMode="auto">
-          <a:xfrm>
-            <a:off x="4500832" y="2977150"/>
-            <a:ext cx="619211" cy="648011"/>
-          </a:xfrm>
-          <a:prstGeom prst="rect">
-            <a:avLst/>
-          </a:prstGeom>
-          <a:noFill/>
-          <a:extLst>
-            <a:ext uri="{909E8E84-426E-40DD-AFC4-6F175D3DCCD1}">
-              <a14:hiddenFill xmlns:a14="http://schemas.microsoft.com/office/drawing/2010/main">
-                <a:solidFill>
-                  <a:srgbClr val="FFFFFF"/>
-                </a:solidFill>
-              </a14:hiddenFill>
-            </a:ext>
-          </a:extLst>
-        </p:spPr>
-      </p:pic>
       <p:sp>
         <p:nvSpPr>
           <p:cNvPr id="48" name="מלבן 47">
@@ -14666,53 +14687,6 @@
       </p:sp>
       <p:pic>
         <p:nvPicPr>
-          <p:cNvPr id="1032" name="Picture 8" descr="Sad and Drunk Mario Sings Mad World by willismee on SoundCloud - Hear the  world's sounds">
-            <a:extLst>
-              <a:ext uri="{FF2B5EF4-FFF2-40B4-BE49-F238E27FC236}">
-                <a16:creationId xmlns:a16="http://schemas.microsoft.com/office/drawing/2014/main" id="{D27CA618-7594-472F-B418-AC76158854E1}"/>
-              </a:ext>
-            </a:extLst>
-          </p:cNvPr>
-          <p:cNvPicPr>
-            <a:picLocks noChangeAspect="1" noChangeArrowheads="1"/>
-          </p:cNvPicPr>
-          <p:nvPr/>
-        </p:nvPicPr>
-        <p:blipFill>
-          <a:blip r:embed="rId4" cstate="print">
-            <a:extLst>
-              <a:ext uri="{28A0092B-C50C-407E-A947-70E740481C1C}">
-                <a14:useLocalDpi xmlns:a14="http://schemas.microsoft.com/office/drawing/2010/main" val="0"/>
-              </a:ext>
-            </a:extLst>
-          </a:blip>
-          <a:srcRect/>
-          <a:stretch>
-            <a:fillRect/>
-          </a:stretch>
-        </p:blipFill>
-        <p:spPr bwMode="auto">
-          <a:xfrm>
-            <a:off x="4359312" y="4038535"/>
-            <a:ext cx="830998" cy="830998"/>
-          </a:xfrm>
-          <a:prstGeom prst="rect">
-            <a:avLst/>
-          </a:prstGeom>
-          <a:noFill/>
-          <a:extLst>
-            <a:ext uri="{909E8E84-426E-40DD-AFC4-6F175D3DCCD1}">
-              <a14:hiddenFill xmlns:a14="http://schemas.microsoft.com/office/drawing/2010/main">
-                <a:solidFill>
-                  <a:srgbClr val="FFFFFF"/>
-                </a:solidFill>
-              </a14:hiddenFill>
-            </a:ext>
-          </a:extLst>
-        </p:spPr>
-      </p:pic>
-      <p:pic>
-        <p:nvPicPr>
           <p:cNvPr id="50" name="תמונה 49" descr="תמונה שמכילה צעצוע&#10;&#10;התיאור נוצר באופן אוטומטי">
             <a:extLst>
               <a:ext uri="{FF2B5EF4-FFF2-40B4-BE49-F238E27FC236}">
@@ -14726,7 +14700,7 @@
           <p:nvPr/>
         </p:nvPicPr>
         <p:blipFill>
-          <a:blip r:embed="rId5" cstate="print">
+          <a:blip r:embed="rId2" cstate="print">
             <a:extLst>
               <a:ext uri="{28A0092B-C50C-407E-A947-70E740481C1C}">
                 <a14:useLocalDpi xmlns:a14="http://schemas.microsoft.com/office/drawing/2010/main" val="0"/>
@@ -14771,9 +14745,7 @@
             </a:avLst>
           </a:prstGeom>
           <a:solidFill>
-            <a:schemeClr val="bg2">
-              <a:lumMod val="75000"/>
-            </a:schemeClr>
+            <a:schemeClr val="bg2"/>
           </a:solidFill>
           <a:ln>
             <a:noFill/>
@@ -14816,6 +14788,114 @@
           </a:p>
         </p:txBody>
       </p:sp>
+      <p:pic>
+        <p:nvPicPr>
+          <p:cNvPr id="4" name="תמונה 3" descr="תמונה שמכילה שרפרף, שולחן, דרגש&#10;&#10;התיאור נוצר באופן אוטומטי">
+            <a:extLst>
+              <a:ext uri="{FF2B5EF4-FFF2-40B4-BE49-F238E27FC236}">
+                <a16:creationId xmlns:a16="http://schemas.microsoft.com/office/drawing/2014/main" id="{49F337AB-9A5A-4CAA-829D-9A2F43CDFB18}"/>
+              </a:ext>
+            </a:extLst>
+          </p:cNvPr>
+          <p:cNvPicPr>
+            <a:picLocks noChangeAspect="1"/>
+          </p:cNvPicPr>
+          <p:nvPr/>
+        </p:nvPicPr>
+        <p:blipFill>
+          <a:blip r:embed="rId3" cstate="print">
+            <a:extLst>
+              <a:ext uri="{28A0092B-C50C-407E-A947-70E740481C1C}">
+                <a14:useLocalDpi xmlns:a14="http://schemas.microsoft.com/office/drawing/2010/main" val="0"/>
+              </a:ext>
+            </a:extLst>
+          </a:blip>
+          <a:stretch>
+            <a:fillRect/>
+          </a:stretch>
+        </p:blipFill>
+        <p:spPr>
+          <a:xfrm>
+            <a:off x="4355013" y="3980473"/>
+            <a:ext cx="901162" cy="883175"/>
+          </a:xfrm>
+          <a:prstGeom prst="rect">
+            <a:avLst/>
+          </a:prstGeom>
+        </p:spPr>
+      </p:pic>
+      <p:pic>
+        <p:nvPicPr>
+          <p:cNvPr id="8" name="תמונה 7" descr="תמונה שמכילה אובייקט, ציור, שלט&#10;&#10;התיאור נוצר באופן אוטומטי">
+            <a:extLst>
+              <a:ext uri="{FF2B5EF4-FFF2-40B4-BE49-F238E27FC236}">
+                <a16:creationId xmlns:a16="http://schemas.microsoft.com/office/drawing/2014/main" id="{780BBC3C-9BFD-4C27-BD55-08E37FE492DD}"/>
+              </a:ext>
+            </a:extLst>
+          </p:cNvPr>
+          <p:cNvPicPr>
+            <a:picLocks noChangeAspect="1"/>
+          </p:cNvPicPr>
+          <p:nvPr/>
+        </p:nvPicPr>
+        <p:blipFill>
+          <a:blip r:embed="rId4" cstate="print">
+            <a:extLst>
+              <a:ext uri="{28A0092B-C50C-407E-A947-70E740481C1C}">
+                <a14:useLocalDpi xmlns:a14="http://schemas.microsoft.com/office/drawing/2010/main" val="0"/>
+              </a:ext>
+            </a:extLst>
+          </a:blip>
+          <a:stretch>
+            <a:fillRect/>
+          </a:stretch>
+        </p:blipFill>
+        <p:spPr>
+          <a:xfrm>
+            <a:off x="4501754" y="2944701"/>
+            <a:ext cx="638929" cy="638929"/>
+          </a:xfrm>
+          <a:prstGeom prst="rect">
+            <a:avLst/>
+          </a:prstGeom>
+        </p:spPr>
+      </p:pic>
+      <p:pic>
+        <p:nvPicPr>
+          <p:cNvPr id="12" name="תמונה 11" descr="תמונה שמכילה ציור&#10;&#10;התיאור נוצר באופן אוטומטי">
+            <a:extLst>
+              <a:ext uri="{FF2B5EF4-FFF2-40B4-BE49-F238E27FC236}">
+                <a16:creationId xmlns:a16="http://schemas.microsoft.com/office/drawing/2014/main" id="{12328B77-6156-45B6-8F2E-DCC27862A3FA}"/>
+              </a:ext>
+            </a:extLst>
+          </p:cNvPr>
+          <p:cNvPicPr>
+            <a:picLocks noChangeAspect="1"/>
+          </p:cNvPicPr>
+          <p:nvPr/>
+        </p:nvPicPr>
+        <p:blipFill>
+          <a:blip r:embed="rId5" cstate="print">
+            <a:extLst>
+              <a:ext uri="{28A0092B-C50C-407E-A947-70E740481C1C}">
+                <a14:useLocalDpi xmlns:a14="http://schemas.microsoft.com/office/drawing/2010/main" val="0"/>
+              </a:ext>
+            </a:extLst>
+          </a:blip>
+          <a:stretch>
+            <a:fillRect/>
+          </a:stretch>
+        </p:blipFill>
+        <p:spPr>
+          <a:xfrm flipH="1">
+            <a:off x="4602209" y="1936267"/>
+            <a:ext cx="477984" cy="639102"/>
+          </a:xfrm>
+          <a:prstGeom prst="rect">
+            <a:avLst/>
+          </a:prstGeom>
+        </p:spPr>
+      </p:pic>
     </p:spTree>
     <p:extLst>
       <p:ext uri="{BB962C8B-B14F-4D97-AF65-F5344CB8AC3E}">
